--- a/8. Egy középkori város jellemzőinek bemutatása. A középkori kereskedelem sajátosságai.pptx
+++ b/8. Egy középkori város jellemzőinek bemutatása. A középkori kereskedelem sajátosságai.pptx
@@ -3408,220 +3408,6 @@
           <a:chExt cx="0" cy="0"/>
         </a:xfrm>
       </p:grpSpPr>
-      <p:sp>
-        <p:nvSpPr>
-          <p:cNvPr id="2" name="Cím 1">
-            <a:extLst>
-              <a:ext uri="{FF2B5EF4-FFF2-40B4-BE49-F238E27FC236}">
-                <a16:creationId xmlns:a16="http://schemas.microsoft.com/office/drawing/2014/main" id="{1AAB594E-3FA8-4248-950C-DB47FC7F71F9}"/>
-              </a:ext>
-            </a:extLst>
-          </p:cNvPr>
-          <p:cNvSpPr>
-            <a:spLocks noGrp="1"/>
-          </p:cNvSpPr>
-          <p:nvPr>
-            <p:ph type="title"/>
-          </p:nvPr>
-        </p:nvSpPr>
-        <p:spPr/>
-        <p:txBody>
-          <a:bodyPr/>
-          <a:lstStyle/>
-          <a:p>
-            <a:r>
-              <a:rPr lang="hu-HU" b="1" dirty="0">
-                <a:solidFill>
-                  <a:schemeClr val="accent1">
-                    <a:lumMod val="75000"/>
-                  </a:schemeClr>
-                </a:solidFill>
-              </a:rPr>
-              <a:t>Középkori városok</a:t>
-            </a:r>
-          </a:p>
-        </p:txBody>
-      </p:sp>
-      <p:sp>
-        <p:nvSpPr>
-          <p:cNvPr id="3" name="Szöveg helye 2">
-            <a:extLst>
-              <a:ext uri="{FF2B5EF4-FFF2-40B4-BE49-F238E27FC236}">
-                <a16:creationId xmlns:a16="http://schemas.microsoft.com/office/drawing/2014/main" id="{43764503-B6DD-4C15-85B1-575A141CF77E}"/>
-              </a:ext>
-            </a:extLst>
-          </p:cNvPr>
-          <p:cNvSpPr>
-            <a:spLocks noGrp="1"/>
-          </p:cNvSpPr>
-          <p:nvPr>
-            <p:ph type="body" idx="1"/>
-          </p:nvPr>
-        </p:nvSpPr>
-        <p:spPr>
-          <a:xfrm>
-            <a:off x="839788" y="1362381"/>
-            <a:ext cx="5157787" cy="823912"/>
-          </a:xfrm>
-        </p:spPr>
-        <p:txBody>
-          <a:bodyPr/>
-          <a:lstStyle/>
-          <a:p>
-            <a:pPr algn="ctr"/>
-            <a:r>
-              <a:rPr lang="hu-HU" u="sng" dirty="0">
-                <a:solidFill>
-                  <a:schemeClr val="accent1">
-                    <a:lumMod val="75000"/>
-                  </a:schemeClr>
-                </a:solidFill>
-              </a:rPr>
-              <a:t>Kialakulásuk</a:t>
-            </a:r>
-          </a:p>
-        </p:txBody>
-      </p:sp>
-      <p:sp>
-        <p:nvSpPr>
-          <p:cNvPr id="4" name="Tartalom helye 3">
-            <a:extLst>
-              <a:ext uri="{FF2B5EF4-FFF2-40B4-BE49-F238E27FC236}">
-                <a16:creationId xmlns:a16="http://schemas.microsoft.com/office/drawing/2014/main" id="{CDEC9CEE-C6DB-4127-8D19-06FB05D9E244}"/>
-              </a:ext>
-            </a:extLst>
-          </p:cNvPr>
-          <p:cNvSpPr>
-            <a:spLocks noGrp="1"/>
-          </p:cNvSpPr>
-          <p:nvPr>
-            <p:ph sz="half" idx="2"/>
-          </p:nvPr>
-        </p:nvSpPr>
-        <p:spPr>
-          <a:xfrm>
-            <a:off x="839788" y="2370851"/>
-            <a:ext cx="5157787" cy="4352924"/>
-          </a:xfrm>
-        </p:spPr>
-        <p:txBody>
-          <a:bodyPr>
-            <a:normAutofit/>
-          </a:bodyPr>
-          <a:lstStyle/>
-          <a:p>
-            <a:r>
-              <a:rPr lang="hu-HU" dirty="0"/>
-              <a:t>A középkorban városok is alakultak ki, nemcsak falvak.</a:t>
-            </a:r>
-          </a:p>
-          <a:p>
-            <a:r>
-              <a:rPr lang="hu-HU" dirty="0"/>
-              <a:t>Kereskedelmi útvonalakon, ókori városok helyén, folyók partján és stratégiai pontokon.</a:t>
-            </a:r>
-          </a:p>
-          <a:p>
-            <a:r>
-              <a:rPr lang="hu-HU" dirty="0"/>
-              <a:t>Kiváltságok révén is kialakulhattak.</a:t>
-            </a:r>
-          </a:p>
-        </p:txBody>
-      </p:sp>
-      <p:sp>
-        <p:nvSpPr>
-          <p:cNvPr id="5" name="Szöveg helye 4">
-            <a:extLst>
-              <a:ext uri="{FF2B5EF4-FFF2-40B4-BE49-F238E27FC236}">
-                <a16:creationId xmlns:a16="http://schemas.microsoft.com/office/drawing/2014/main" id="{9B6724A7-DFD1-4401-85FD-DA769FB50807}"/>
-              </a:ext>
-            </a:extLst>
-          </p:cNvPr>
-          <p:cNvSpPr>
-            <a:spLocks noGrp="1"/>
-          </p:cNvSpPr>
-          <p:nvPr>
-            <p:ph type="body" sz="quarter" idx="3"/>
-          </p:nvPr>
-        </p:nvSpPr>
-        <p:spPr>
-          <a:xfrm>
-            <a:off x="6172200" y="1362381"/>
-            <a:ext cx="5183188" cy="823912"/>
-          </a:xfrm>
-        </p:spPr>
-        <p:txBody>
-          <a:bodyPr/>
-          <a:lstStyle/>
-          <a:p>
-            <a:pPr algn="ctr"/>
-            <a:r>
-              <a:rPr lang="hu-HU" u="sng" dirty="0">
-                <a:solidFill>
-                  <a:schemeClr val="accent1">
-                    <a:lumMod val="75000"/>
-                  </a:schemeClr>
-                </a:solidFill>
-              </a:rPr>
-              <a:t>Jellemzőik</a:t>
-            </a:r>
-          </a:p>
-        </p:txBody>
-      </p:sp>
-      <p:sp>
-        <p:nvSpPr>
-          <p:cNvPr id="6" name="Tartalom helye 5">
-            <a:extLst>
-              <a:ext uri="{FF2B5EF4-FFF2-40B4-BE49-F238E27FC236}">
-                <a16:creationId xmlns:a16="http://schemas.microsoft.com/office/drawing/2014/main" id="{723C3181-6515-4675-8A36-F6B5BA7870E6}"/>
-              </a:ext>
-            </a:extLst>
-          </p:cNvPr>
-          <p:cNvSpPr>
-            <a:spLocks noGrp="1"/>
-          </p:cNvSpPr>
-          <p:nvPr>
-            <p:ph sz="quarter" idx="4"/>
-          </p:nvPr>
-        </p:nvSpPr>
-        <p:spPr>
-          <a:xfrm>
-            <a:off x="6172200" y="2370850"/>
-            <a:ext cx="5183188" cy="4352925"/>
-          </a:xfrm>
-        </p:spPr>
-        <p:txBody>
-          <a:bodyPr>
-            <a:normAutofit/>
-          </a:bodyPr>
-          <a:lstStyle/>
-          <a:p>
-            <a:r>
-              <a:rPr lang="hu-HU" dirty="0"/>
-              <a:t>Városfalakkal körbevették őket a háborúkban való védekezés céljából.</a:t>
-            </a:r>
-          </a:p>
-          <a:p>
-            <a:r>
-              <a:rPr lang="hu-HU" dirty="0"/>
-              <a:t>Az utcák piszkosak, mivel nem volt kiépített vízvezeték vagy csatorna.</a:t>
-            </a:r>
-          </a:p>
-          <a:p>
-            <a:r>
-              <a:rPr lang="hu-HU" dirty="0"/>
-              <a:t>Gyakoriak voltak a járványok.</a:t>
-            </a:r>
-          </a:p>
-          <a:p>
-            <a:r>
-              <a:rPr lang="hu-HU" dirty="0"/>
-              <a:t>A főtér a város központja volt, itt álltak a fontos épületek.</a:t>
-            </a:r>
-          </a:p>
-        </p:txBody>
-      </p:sp>
       <p:pic>
         <p:nvPicPr>
           <p:cNvPr id="7" name="Picture 2" descr="Középkori város főterét ábrázóló színes rajz: a téren éppen piacot tartanak, az emberek állatokat hajtanak, gabonászsákokat szállítanak, kereskednek áruikkal és portékáikkal.">
@@ -3638,6 +3424,7 @@
         </p:nvPicPr>
         <p:blipFill>
           <a:blip r:embed="rId2">
+            <a:alphaModFix amt="20000"/>
             <a:extLst>
               <a:ext uri="{28A0092B-C50C-407E-A947-70E740481C1C}">
                 <a14:useLocalDpi xmlns:a14="http://schemas.microsoft.com/office/drawing/2010/main" val="0"/>
@@ -3651,8 +3438,8 @@
         </p:blipFill>
         <p:spPr bwMode="auto">
           <a:xfrm>
-            <a:off x="6121079" y="0"/>
-            <a:ext cx="6070921" cy="4352926"/>
+            <a:off x="1" y="0"/>
+            <a:ext cx="12192000" cy="6858000"/>
           </a:xfrm>
           <a:prstGeom prst="rect">
             <a:avLst/>
@@ -3669,6 +3456,220 @@
           </a:extLst>
         </p:spPr>
       </p:pic>
+      <p:sp>
+        <p:nvSpPr>
+          <p:cNvPr id="2" name="Cím 1">
+            <a:extLst>
+              <a:ext uri="{FF2B5EF4-FFF2-40B4-BE49-F238E27FC236}">
+                <a16:creationId xmlns:a16="http://schemas.microsoft.com/office/drawing/2014/main" id="{1AAB594E-3FA8-4248-950C-DB47FC7F71F9}"/>
+              </a:ext>
+            </a:extLst>
+          </p:cNvPr>
+          <p:cNvSpPr>
+            <a:spLocks noGrp="1"/>
+          </p:cNvSpPr>
+          <p:nvPr>
+            <p:ph type="title"/>
+          </p:nvPr>
+        </p:nvSpPr>
+        <p:spPr/>
+        <p:txBody>
+          <a:bodyPr/>
+          <a:lstStyle/>
+          <a:p>
+            <a:r>
+              <a:rPr lang="hu-HU" b="1" dirty="0">
+                <a:solidFill>
+                  <a:schemeClr val="accent1">
+                    <a:lumMod val="75000"/>
+                  </a:schemeClr>
+                </a:solidFill>
+              </a:rPr>
+              <a:t>Középkori városok</a:t>
+            </a:r>
+          </a:p>
+        </p:txBody>
+      </p:sp>
+      <p:sp>
+        <p:nvSpPr>
+          <p:cNvPr id="3" name="Szöveg helye 2">
+            <a:extLst>
+              <a:ext uri="{FF2B5EF4-FFF2-40B4-BE49-F238E27FC236}">
+                <a16:creationId xmlns:a16="http://schemas.microsoft.com/office/drawing/2014/main" id="{43764503-B6DD-4C15-85B1-575A141CF77E}"/>
+              </a:ext>
+            </a:extLst>
+          </p:cNvPr>
+          <p:cNvSpPr>
+            <a:spLocks noGrp="1"/>
+          </p:cNvSpPr>
+          <p:nvPr>
+            <p:ph type="body" idx="1"/>
+          </p:nvPr>
+        </p:nvSpPr>
+        <p:spPr>
+          <a:xfrm>
+            <a:off x="839788" y="1362381"/>
+            <a:ext cx="5157787" cy="823912"/>
+          </a:xfrm>
+        </p:spPr>
+        <p:txBody>
+          <a:bodyPr/>
+          <a:lstStyle/>
+          <a:p>
+            <a:pPr algn="ctr"/>
+            <a:r>
+              <a:rPr lang="hu-HU" u="sng" dirty="0">
+                <a:solidFill>
+                  <a:schemeClr val="accent1">
+                    <a:lumMod val="75000"/>
+                  </a:schemeClr>
+                </a:solidFill>
+              </a:rPr>
+              <a:t>Kialakulásuk</a:t>
+            </a:r>
+          </a:p>
+        </p:txBody>
+      </p:sp>
+      <p:sp>
+        <p:nvSpPr>
+          <p:cNvPr id="4" name="Tartalom helye 3">
+            <a:extLst>
+              <a:ext uri="{FF2B5EF4-FFF2-40B4-BE49-F238E27FC236}">
+                <a16:creationId xmlns:a16="http://schemas.microsoft.com/office/drawing/2014/main" id="{CDEC9CEE-C6DB-4127-8D19-06FB05D9E244}"/>
+              </a:ext>
+            </a:extLst>
+          </p:cNvPr>
+          <p:cNvSpPr>
+            <a:spLocks noGrp="1"/>
+          </p:cNvSpPr>
+          <p:nvPr>
+            <p:ph sz="half" idx="2"/>
+          </p:nvPr>
+        </p:nvSpPr>
+        <p:spPr>
+          <a:xfrm>
+            <a:off x="839788" y="2370851"/>
+            <a:ext cx="5157787" cy="4352924"/>
+          </a:xfrm>
+        </p:spPr>
+        <p:txBody>
+          <a:bodyPr>
+            <a:normAutofit/>
+          </a:bodyPr>
+          <a:lstStyle/>
+          <a:p>
+            <a:r>
+              <a:rPr lang="hu-HU" dirty="0"/>
+              <a:t>A középkorban városok is alakultak ki, nemcsak falvak.</a:t>
+            </a:r>
+          </a:p>
+          <a:p>
+            <a:r>
+              <a:rPr lang="hu-HU" dirty="0"/>
+              <a:t>Kereskedelmi útvonalakon, ókori városok helyén, folyók partján és stratégiai pontokon.</a:t>
+            </a:r>
+          </a:p>
+          <a:p>
+            <a:r>
+              <a:rPr lang="hu-HU" dirty="0"/>
+              <a:t>Kiváltságok révén is kialakulhattak.</a:t>
+            </a:r>
+          </a:p>
+        </p:txBody>
+      </p:sp>
+      <p:sp>
+        <p:nvSpPr>
+          <p:cNvPr id="5" name="Szöveg helye 4">
+            <a:extLst>
+              <a:ext uri="{FF2B5EF4-FFF2-40B4-BE49-F238E27FC236}">
+                <a16:creationId xmlns:a16="http://schemas.microsoft.com/office/drawing/2014/main" id="{9B6724A7-DFD1-4401-85FD-DA769FB50807}"/>
+              </a:ext>
+            </a:extLst>
+          </p:cNvPr>
+          <p:cNvSpPr>
+            <a:spLocks noGrp="1"/>
+          </p:cNvSpPr>
+          <p:nvPr>
+            <p:ph type="body" sz="quarter" idx="3"/>
+          </p:nvPr>
+        </p:nvSpPr>
+        <p:spPr>
+          <a:xfrm>
+            <a:off x="6172200" y="1362381"/>
+            <a:ext cx="5183188" cy="823912"/>
+          </a:xfrm>
+        </p:spPr>
+        <p:txBody>
+          <a:bodyPr/>
+          <a:lstStyle/>
+          <a:p>
+            <a:pPr algn="ctr"/>
+            <a:r>
+              <a:rPr lang="hu-HU" u="sng" dirty="0">
+                <a:solidFill>
+                  <a:schemeClr val="accent1">
+                    <a:lumMod val="75000"/>
+                  </a:schemeClr>
+                </a:solidFill>
+              </a:rPr>
+              <a:t>Jellemzőik</a:t>
+            </a:r>
+          </a:p>
+        </p:txBody>
+      </p:sp>
+      <p:sp>
+        <p:nvSpPr>
+          <p:cNvPr id="6" name="Tartalom helye 5">
+            <a:extLst>
+              <a:ext uri="{FF2B5EF4-FFF2-40B4-BE49-F238E27FC236}">
+                <a16:creationId xmlns:a16="http://schemas.microsoft.com/office/drawing/2014/main" id="{723C3181-6515-4675-8A36-F6B5BA7870E6}"/>
+              </a:ext>
+            </a:extLst>
+          </p:cNvPr>
+          <p:cNvSpPr>
+            <a:spLocks noGrp="1"/>
+          </p:cNvSpPr>
+          <p:nvPr>
+            <p:ph sz="quarter" idx="4"/>
+          </p:nvPr>
+        </p:nvSpPr>
+        <p:spPr>
+          <a:xfrm>
+            <a:off x="6172200" y="2370850"/>
+            <a:ext cx="5183188" cy="4352925"/>
+          </a:xfrm>
+        </p:spPr>
+        <p:txBody>
+          <a:bodyPr>
+            <a:normAutofit/>
+          </a:bodyPr>
+          <a:lstStyle/>
+          <a:p>
+            <a:r>
+              <a:rPr lang="hu-HU" dirty="0"/>
+              <a:t>Városfalakkal körbevették őket a háborúkban való védekezés céljából.</a:t>
+            </a:r>
+          </a:p>
+          <a:p>
+            <a:r>
+              <a:rPr lang="hu-HU" dirty="0"/>
+              <a:t>Az utcák piszkosak, mivel nem volt kiépített vízvezeték vagy csatorna.</a:t>
+            </a:r>
+          </a:p>
+          <a:p>
+            <a:r>
+              <a:rPr lang="hu-HU" dirty="0"/>
+              <a:t>Gyakoriak voltak a járványok.</a:t>
+            </a:r>
+          </a:p>
+          <a:p>
+            <a:r>
+              <a:rPr lang="hu-HU" dirty="0"/>
+              <a:t>A főtér a város központja volt, itt álltak a fontos épületek.</a:t>
+            </a:r>
+          </a:p>
+        </p:txBody>
+      </p:sp>
     </p:spTree>
     <p:extLst>
       <p:ext uri="{BB962C8B-B14F-4D97-AF65-F5344CB8AC3E}">
